--- a/application_materials/Quantifier_Scoping.pptx
+++ b/application_materials/Quantifier_Scoping.pptx
@@ -262,7 +262,7 @@
           <a:p>
             <a:fld id="{1D8BD707-D9CF-40AE-B4C6-C98DA3205C09}" type="datetimeFigureOut">
               <a:rPr lang="en-US"/>
-              <a:t>4/2/18</a:t>
+              <a:t>4/12/18</a:t>
             </a:fld>
             <a:endParaRPr lang="en-US"/>
           </a:p>
@@ -438,7 +438,7 @@
           <a:p>
             <a:fld id="{1D8BD707-D9CF-40AE-B4C6-C98DA3205C09}" type="datetimeFigureOut">
               <a:rPr lang="en-US"/>
-              <a:t>4/2/18</a:t>
+              <a:t>4/12/18</a:t>
             </a:fld>
             <a:endParaRPr lang="en-US"/>
           </a:p>
@@ -657,7 +657,7 @@
           <a:p>
             <a:fld id="{1D8BD707-D9CF-40AE-B4C6-C98DA3205C09}" type="datetimeFigureOut">
               <a:rPr lang="en-US"/>
-              <a:t>4/2/18</a:t>
+              <a:t>4/12/18</a:t>
             </a:fld>
             <a:endParaRPr lang="en-US"/>
           </a:p>
@@ -810,7 +810,7 @@
           <a:p>
             <a:fld id="{1D8BD707-D9CF-40AE-B4C6-C98DA3205C09}" type="datetimeFigureOut">
               <a:rPr lang="en-US"/>
-              <a:t>4/2/18</a:t>
+              <a:t>4/12/18</a:t>
             </a:fld>
             <a:endParaRPr lang="en-US"/>
           </a:p>
@@ -929,7 +929,7 @@
           <a:p>
             <a:fld id="{1D8BD707-D9CF-40AE-B4C6-C98DA3205C09}" type="datetimeFigureOut">
               <a:rPr lang="en-US"/>
-              <a:t>4/2/18</a:t>
+              <a:t>4/12/18</a:t>
             </a:fld>
             <a:endParaRPr lang="en-US"/>
           </a:p>
@@ -1148,7 +1148,7 @@
           <a:p>
             <a:fld id="{1D8BD707-D9CF-40AE-B4C6-C98DA3205C09}" type="datetimeFigureOut">
               <a:rPr lang="en-US"/>
-              <a:t>4/2/18</a:t>
+              <a:t>4/12/18</a:t>
             </a:fld>
             <a:endParaRPr lang="en-US"/>
           </a:p>
@@ -2648,7 +2648,17 @@
                 <a:latin typeface="Arial"/>
                 <a:cs typeface="Arial"/>
               </a:rPr>
-              <a:t>The Ohio State University/College of Arts &amp; Sciences/Department of linguistics </a:t>
+              <a:t>The Ohio State University/College of Engineering/Department of  </a:t>
+            </a:r>
+            <a:r>
+              <a:rPr lang="en-US" sz="5018" spc="-76">
+                <a:solidFill>
+                  <a:srgbClr val="CD1445"/>
+                </a:solidFill>
+                <a:latin typeface="Arial"/>
+                <a:cs typeface="Arial"/>
+              </a:rPr>
+              <a:t>computer science </a:t>
             </a:r>
             <a:endParaRPr sz="5018" dirty="0">
               <a:latin typeface="Arial"/>
